--- a/static/f/up/因果不虚16.pptx
+++ b/static/f/up/因果不虚16.pptx
@@ -3476,34 +3476,46 @@
             <a:endParaRPr lang="en-US" altLang="zh-CN" sz="1600" dirty="0" smtClean="0"/>
           </a:p>
           <a:p>
-            <a:pPr>
+            <a:pPr lvl="0">
               <a:lnSpc>
                 <a:spcPct val="150000"/>
               </a:lnSpc>
             </a:pPr>
             <a:r>
               <a:rPr lang="zh-CN" altLang="en-US" sz="1600" dirty="0" smtClean="0"/>
-              <a:t>介绍十不善和十善的六十个思维内容；十善和十不善每个分三个阶段，一共六十个不同阶段思维，</a:t>
-            </a:r>
-            <a:r>
-              <a:rPr lang="en-GB" sz="1600" dirty="0" smtClean="0"/>
-              <a:t> </a:t>
+              <a:t>介绍十不善和十善的六十个思维内容</a:t>
             </a:r>
             <a:r>
               <a:rPr lang="zh-CN" altLang="en-US" sz="1600" dirty="0" smtClean="0"/>
-              <a:t>两个思维得到两个结果，</a:t>
+              <a:t>；</a:t>
+            </a:r>
+            <a:r>
+              <a:rPr lang="zh-CN" altLang="en-US" sz="1600" b="1" dirty="0" smtClean="0"/>
+              <a:t>十善和十不善每个分三个阶段，一共六十个不同阶段思维，十不善和十善两个思维各得到两个结果</a:t>
+            </a:r>
+            <a:r>
+              <a:rPr lang="en-US" altLang="zh-CN" sz="1600" b="1" dirty="0" smtClean="0"/>
+              <a:t>:   </a:t>
             </a:r>
             <a:r>
               <a:rPr lang="en-US" altLang="zh-CN" sz="1600" dirty="0" smtClean="0"/>
-              <a:t>1.</a:t>
+              <a:t>A. 1.</a:t>
             </a:r>
             <a:r>
               <a:rPr lang="zh-CN" altLang="en-US" sz="1600" dirty="0" smtClean="0"/>
-              <a:t>这样的罪就会得到同样的果报，第二个是曾经犯过这样的罪，所以一定要忏悔，坚定不移地相信因果关系，然后是行善，</a:t>
+              <a:t>这样的罪就会得到同样的果报， </a:t>
             </a:r>
             <a:r>
               <a:rPr lang="en-US" altLang="zh-CN" sz="1600" dirty="0" smtClean="0"/>
-              <a:t>1</a:t>
+              <a:t>2. </a:t>
+            </a:r>
+            <a:r>
+              <a:rPr lang="zh-CN" altLang="en-US" sz="1600" dirty="0" smtClean="0"/>
+              <a:t>曾经犯过这样的罪，所以一定要忏悔，坚定不移地相信因果关系，然后是行善</a:t>
+            </a:r>
+            <a:r>
+              <a:rPr lang="en-US" altLang="zh-CN" sz="1600" dirty="0" smtClean="0"/>
+              <a:t>;      B. 1</a:t>
             </a:r>
             <a:r>
               <a:rPr lang="zh-CN" altLang="en-US" sz="1600" dirty="0" smtClean="0"/>
@@ -3511,7 +3523,7 @@
             </a:r>
             <a:r>
               <a:rPr lang="en-US" altLang="zh-CN" sz="1600" dirty="0" smtClean="0"/>
-              <a:t>2.</a:t>
+              <a:t>2. </a:t>
             </a:r>
             <a:r>
               <a:rPr lang="zh-CN" altLang="en-US" sz="1600" dirty="0" smtClean="0"/>
@@ -3523,7 +3535,7 @@
             </a:r>
             <a:r>
               <a:rPr lang="zh-CN" altLang="en-US" sz="1600" dirty="0" smtClean="0"/>
-              <a:t> </a:t>
+              <a:t>   </a:t>
             </a:r>
             <a:r>
               <a:rPr lang="en-US" altLang="zh-CN" sz="1600" dirty="0" smtClean="0"/>
@@ -3531,7 +3543,11 @@
             </a:r>
             <a:r>
               <a:rPr lang="zh-CN" altLang="en-US" sz="1600" dirty="0" smtClean="0"/>
-              <a:t>个结论</a:t>
+              <a:t>个结</a:t>
+            </a:r>
+            <a:r>
+              <a:rPr lang="zh-CN" altLang="en-US" sz="1600" dirty="0" smtClean="0"/>
+              <a:t>论</a:t>
             </a:r>
             <a:endParaRPr lang="en-GB" sz="1600" dirty="0" smtClean="0"/>
           </a:p>
@@ -5728,7 +5744,15 @@
                   <a:srgbClr val="FF0000"/>
                 </a:solidFill>
               </a:rPr>
-              <a:t>问题</a:t>
+              <a:t>问</a:t>
+            </a:r>
+            <a:r>
+              <a:rPr lang="zh-CN" altLang="en-US" sz="2000" b="1" dirty="0" smtClean="0">
+                <a:solidFill>
+                  <a:srgbClr val="FF0000"/>
+                </a:solidFill>
+              </a:rPr>
+              <a:t>题</a:t>
             </a:r>
             <a:r>
               <a:rPr lang="en-US" altLang="zh-CN" sz="2000" b="1" dirty="0" smtClean="0">
@@ -5738,6 +5762,11 @@
               </a:rPr>
               <a:t>:</a:t>
             </a:r>
+            <a:endParaRPr lang="en-US" altLang="zh-CN" sz="2000" b="1" dirty="0" smtClean="0">
+              <a:solidFill>
+                <a:srgbClr val="FF0000"/>
+              </a:solidFill>
+            </a:endParaRPr>
           </a:p>
           <a:p>
             <a:pPr marL="342900" indent="-342900">
@@ -6755,7 +6784,7 @@
         </p:nvSpPr>
         <p:spPr>
           <a:xfrm>
-            <a:off x="304800" y="0"/>
+            <a:off x="228600" y="0"/>
             <a:ext cx="8610600" cy="4401205"/>
           </a:xfrm>
           <a:prstGeom prst="rect">
@@ -6783,7 +6812,11 @@
             </a:pPr>
             <a:r>
               <a:rPr lang="zh-CN" altLang="en-US" sz="1600" dirty="0" smtClean="0"/>
-              <a:t>十不善具体的思维方法，分三个阶段：</a:t>
+              <a:t>十善</a:t>
+            </a:r>
+            <a:r>
+              <a:rPr lang="zh-CN" altLang="en-US" sz="1600" dirty="0" smtClean="0"/>
+              <a:t>具体的思维方法，分三个阶段：</a:t>
             </a:r>
           </a:p>
           <a:p>
@@ -6796,7 +6829,15 @@
             </a:pPr>
             <a:r>
               <a:rPr lang="zh-CN" altLang="en-US" sz="1600" dirty="0" smtClean="0"/>
-              <a:t>什么叫十不善，我是否有行过善，有没有积累过这样的福报；</a:t>
+              <a:t>什么叫</a:t>
+            </a:r>
+            <a:r>
+              <a:rPr lang="zh-CN" altLang="en-US" sz="1600" dirty="0" smtClean="0"/>
+              <a:t>十善</a:t>
+            </a:r>
+            <a:r>
+              <a:rPr lang="zh-CN" altLang="en-US" sz="1600" dirty="0" smtClean="0"/>
+              <a:t>，我是否有行过善，有没有积累过这样的福报；</a:t>
             </a:r>
           </a:p>
           <a:p>
@@ -6843,40 +6884,124 @@
               </a:lnSpc>
             </a:pPr>
             <a:r>
-              <a:rPr lang="zh-CN" altLang="en-US" sz="1600" dirty="0" smtClean="0"/>
-              <a:t>十善和十不善每个分三个阶段，一共六十个不同阶段思维，</a:t>
-            </a:r>
-            <a:r>
-              <a:rPr lang="en-GB" sz="1600" dirty="0" smtClean="0"/>
-              <a:t> </a:t>
-            </a:r>
-            <a:r>
-              <a:rPr lang="zh-CN" altLang="en-US" sz="1600" dirty="0" smtClean="0"/>
-              <a:t>两个思维得到两个结果，</a:t>
+              <a:rPr lang="zh-CN" altLang="en-US" sz="1600" b="1" dirty="0" smtClean="0"/>
+              <a:t>十善和十不善每个分三个阶段，一共六十个不同阶段思维</a:t>
+            </a:r>
+            <a:r>
+              <a:rPr lang="zh-CN" altLang="en-US" sz="1600" b="1" dirty="0" smtClean="0"/>
+              <a:t>，</a:t>
+            </a:r>
+            <a:r>
+              <a:rPr lang="zh-CN" altLang="en-US" sz="1600" b="1" dirty="0" smtClean="0"/>
+              <a:t>十不善</a:t>
+            </a:r>
+            <a:r>
+              <a:rPr lang="zh-CN" altLang="en-US" sz="1600" b="1" dirty="0" smtClean="0"/>
+              <a:t>和</a:t>
+            </a:r>
+            <a:r>
+              <a:rPr lang="zh-CN" altLang="en-US" sz="1600" b="1" dirty="0" smtClean="0"/>
+              <a:t>十善</a:t>
+            </a:r>
+            <a:r>
+              <a:rPr lang="zh-CN" altLang="en-US" sz="1600" b="1" dirty="0" smtClean="0"/>
+              <a:t>两</a:t>
+            </a:r>
+            <a:r>
+              <a:rPr lang="zh-CN" altLang="en-US" sz="1600" b="1" dirty="0" smtClean="0"/>
+              <a:t>个思</a:t>
+            </a:r>
+            <a:r>
+              <a:rPr lang="zh-CN" altLang="en-US" sz="1600" b="1" dirty="0" smtClean="0"/>
+              <a:t>维</a:t>
+            </a:r>
+            <a:r>
+              <a:rPr lang="zh-CN" altLang="en-US" sz="1600" b="1" dirty="0" smtClean="0"/>
+              <a:t>各</a:t>
+            </a:r>
+            <a:r>
+              <a:rPr lang="zh-CN" altLang="en-US" sz="1600" b="1" dirty="0" smtClean="0"/>
+              <a:t>得</a:t>
+            </a:r>
+            <a:r>
+              <a:rPr lang="zh-CN" altLang="en-US" sz="1600" b="1" dirty="0" smtClean="0"/>
+              <a:t>到两个结</a:t>
+            </a:r>
+            <a:r>
+              <a:rPr lang="zh-CN" altLang="en-US" sz="1600" b="1" dirty="0" smtClean="0"/>
+              <a:t>果</a:t>
+            </a:r>
+            <a:r>
+              <a:rPr lang="en-US" altLang="zh-CN" sz="1600" b="1" dirty="0" smtClean="0"/>
+              <a:t>:   </a:t>
             </a:r>
             <a:r>
               <a:rPr lang="en-US" altLang="zh-CN" sz="1600" dirty="0" smtClean="0"/>
-              <a:t>1.</a:t>
-            </a:r>
-            <a:r>
-              <a:rPr lang="zh-CN" altLang="en-US" sz="1600" dirty="0" smtClean="0"/>
-              <a:t>这样的罪就会得到同样的果报，第二个是曾经犯过这样的罪，所以一定要忏悔，坚定不移地相信因果关系，然后是行善，</a:t>
+              <a:t>A. </a:t>
             </a:r>
             <a:r>
               <a:rPr lang="en-US" altLang="zh-CN" sz="1600" dirty="0" smtClean="0"/>
               <a:t>1</a:t>
             </a:r>
             <a:r>
+              <a:rPr lang="en-US" altLang="zh-CN" sz="1600" dirty="0" smtClean="0"/>
+              <a:t>.</a:t>
+            </a:r>
+            <a:r>
+              <a:rPr lang="zh-CN" altLang="en-US" sz="1600" dirty="0" smtClean="0"/>
+              <a:t>这样的罪就会得到同样的果报</a:t>
+            </a:r>
+            <a:r>
+              <a:rPr lang="zh-CN" altLang="en-US" sz="1600" dirty="0" smtClean="0"/>
+              <a:t>，</a:t>
+            </a:r>
+            <a:r>
+              <a:rPr lang="zh-CN" altLang="en-US" sz="1600" dirty="0" smtClean="0"/>
+              <a:t> </a:t>
+            </a:r>
+            <a:r>
+              <a:rPr lang="en-US" altLang="zh-CN" sz="1600" dirty="0" smtClean="0"/>
+              <a:t>2. </a:t>
+            </a:r>
+            <a:r>
+              <a:rPr lang="zh-CN" altLang="en-US" sz="1600" dirty="0" smtClean="0"/>
+              <a:t>曾</a:t>
+            </a:r>
+            <a:r>
+              <a:rPr lang="zh-CN" altLang="en-US" sz="1600" dirty="0" smtClean="0"/>
+              <a:t>经犯过这样的罪，所以一定要忏悔，坚定不移地相信因果关系，然后是行</a:t>
+            </a:r>
+            <a:r>
+              <a:rPr lang="zh-CN" altLang="en-US" sz="1600" dirty="0" smtClean="0"/>
+              <a:t>善</a:t>
+            </a:r>
+            <a:r>
+              <a:rPr lang="en-US" altLang="zh-CN" sz="1600" dirty="0" smtClean="0"/>
+              <a:t>;      </a:t>
+            </a:r>
+            <a:r>
+              <a:rPr lang="en-US" altLang="zh-CN" sz="1600" dirty="0" smtClean="0"/>
+              <a:t>B. 1</a:t>
+            </a:r>
+            <a:r>
               <a:rPr lang="zh-CN" altLang="en-US" sz="1600" dirty="0" smtClean="0"/>
               <a:t>，有善的因就有善的果，</a:t>
             </a:r>
             <a:r>
               <a:rPr lang="en-US" altLang="zh-CN" sz="1600" dirty="0" smtClean="0"/>
-              <a:t>2.</a:t>
+              <a:t>2</a:t>
+            </a:r>
+            <a:r>
+              <a:rPr lang="en-US" altLang="zh-CN" sz="1600" dirty="0" smtClean="0"/>
+              <a:t>. </a:t>
             </a:r>
             <a:r>
               <a:rPr lang="zh-CN" altLang="en-US" sz="1600" dirty="0" smtClean="0"/>
-              <a:t>善有这么好的果报，以前有没有行善， 如果发现没有没有。现在一定要行善，不能忽略任何一个善业</a:t>
+              <a:t>善</a:t>
+            </a:r>
+            <a:r>
+              <a:rPr lang="zh-CN" altLang="en-US" sz="1600" dirty="0" smtClean="0"/>
+              <a:t>有这么好的果报，以前有没有行善， 如果发现没有没有。现在一定要行善，不能忽略任何一个善业</a:t>
             </a:r>
             <a:r>
               <a:rPr lang="en-US" altLang="zh-CN" sz="1600" dirty="0" smtClean="0"/>
@@ -6885,6 +7010,10 @@
             <a:r>
               <a:rPr lang="zh-CN" altLang="en-US" sz="1600" dirty="0" smtClean="0"/>
               <a:t> </a:t>
+            </a:r>
+            <a:r>
+              <a:rPr lang="zh-CN" altLang="en-US" sz="1600" dirty="0" smtClean="0"/>
+              <a:t>  </a:t>
             </a:r>
             <a:r>
               <a:rPr lang="en-US" altLang="zh-CN" sz="1600" dirty="0" smtClean="0"/>
@@ -6912,52 +7041,32 @@
       </p:sp>
       <p:sp>
         <p:nvSpPr>
-          <p:cNvPr id="7" name="Rectangle 6"/>
+          <p:cNvPr id="4" name="Rectangle 3"/>
           <p:cNvSpPr/>
           <p:nvPr/>
         </p:nvSpPr>
         <p:spPr>
           <a:xfrm>
-            <a:off x="228600" y="0"/>
-            <a:ext cx="2509020" cy="369332"/>
+            <a:off x="381000" y="0"/>
+            <a:ext cx="2743200" cy="369332"/>
           </a:xfrm>
           <a:prstGeom prst="rect">
             <a:avLst/>
           </a:prstGeom>
         </p:spPr>
         <p:txBody>
-          <a:bodyPr wrap="none">
+          <a:bodyPr wrap="square">
             <a:spAutoFit/>
           </a:bodyPr>
           <a:lstStyle/>
           <a:p>
             <a:r>
-              <a:rPr lang="en-GB" b="1" dirty="0" smtClean="0">
+              <a:rPr lang="en-GB" b="1" dirty="0" err="1" smtClean="0">
                 <a:solidFill>
                   <a:srgbClr val="FF0000"/>
                 </a:solidFill>
-                <a:sym typeface="+mn-ea"/>
-              </a:rPr>
-              <a:t>具体的思维方式</a:t>
-            </a:r>
-            <a:r>
-              <a:rPr lang="zh-CN" altLang="en-GB" b="1" dirty="0" smtClean="0">
-                <a:solidFill>
-                  <a:srgbClr val="FF0000"/>
-                </a:solidFill>
-                <a:ea typeface="宋体" panose="02010600030101010101" pitchFamily="2" charset="-122"/>
-                <a:sym typeface="+mn-ea"/>
-              </a:rPr>
-              <a:t>：</a:t>
-            </a:r>
-            <a:r>
-              <a:rPr lang="en-GB" b="1" dirty="0" smtClean="0">
-                <a:solidFill>
-                  <a:srgbClr val="FF0000"/>
-                </a:solidFill>
-                <a:sym typeface="+mn-ea"/>
-              </a:rPr>
-              <a:t>杀生</a:t>
+              </a:rPr>
+              <a:t>十善业</a:t>
             </a:r>
             <a:endParaRPr lang="en-US" b="1" dirty="0">
               <a:solidFill>
